--- a/Phase-1/Advanced Vehicle Safety System.pptx
+++ b/Phase-1/Advanced Vehicle Safety System.pptx
@@ -857,6 +857,110 @@
   <p:cSld>
     <p:spTree>
       <p:nvGrpSpPr>
+        <p:cNvPr id="1" name="Shape 185"/>
+        <p:cNvGrpSpPr/>
+        <p:nvPr/>
+      </p:nvGrpSpPr>
+      <p:grpSpPr>
+        <a:xfrm>
+          <a:off x="0" y="0"/>
+          <a:ext cx="0" cy="0"/>
+          <a:chOff x="0" y="0"/>
+          <a:chExt cx="0" cy="0"/>
+        </a:xfrm>
+      </p:grpSpPr>
+      <p:sp>
+        <p:nvSpPr>
+          <p:cNvPr id="186" name="Google Shape;186;g10ce374e64a_0_23:notes"/>
+          <p:cNvSpPr>
+            <a:spLocks noGrp="1" noRot="1" noChangeAspect="1"/>
+          </p:cNvSpPr>
+          <p:nvPr>
+            <p:ph type="sldImg" idx="2"/>
+          </p:nvPr>
+        </p:nvSpPr>
+        <p:spPr>
+          <a:xfrm>
+            <a:off x="381300" y="685800"/>
+            <a:ext cx="6096000" cy="3429000"/>
+          </a:xfrm>
+          <a:custGeom>
+            <a:avLst/>
+            <a:gdLst/>
+            <a:ahLst/>
+            <a:cxnLst/>
+            <a:rect l="l" t="t" r="r" b="b"/>
+            <a:pathLst>
+              <a:path w="120000" h="120000" extrusionOk="0">
+                <a:moveTo>
+                  <a:pt x="0" y="0"/>
+                </a:moveTo>
+                <a:lnTo>
+                  <a:pt x="120000" y="0"/>
+                </a:lnTo>
+                <a:lnTo>
+                  <a:pt x="120000" y="120000"/>
+                </a:lnTo>
+                <a:lnTo>
+                  <a:pt x="0" y="120000"/>
+                </a:lnTo>
+                <a:close/>
+              </a:path>
+            </a:pathLst>
+          </a:custGeom>
+        </p:spPr>
+      </p:sp>
+      <p:sp>
+        <p:nvSpPr>
+          <p:cNvPr id="187" name="Google Shape;187;g10ce374e64a_0_23:notes"/>
+          <p:cNvSpPr txBox="1">
+            <a:spLocks noGrp="1"/>
+          </p:cNvSpPr>
+          <p:nvPr>
+            <p:ph type="body" idx="1"/>
+          </p:nvPr>
+        </p:nvSpPr>
+        <p:spPr>
+          <a:xfrm>
+            <a:off x="685800" y="4343400"/>
+            <a:ext cx="5486400" cy="4114800"/>
+          </a:xfrm>
+          <a:prstGeom prst="rect">
+            <a:avLst/>
+          </a:prstGeom>
+        </p:spPr>
+        <p:txBody>
+          <a:bodyPr spcFirstLastPara="1" wrap="square" lIns="91425" tIns="91425" rIns="91425" bIns="91425" anchor="t" anchorCtr="0">
+            <a:noAutofit/>
+          </a:bodyPr>
+          <a:lstStyle/>
+          <a:p>
+            <a:pPr marL="0" lvl="0" indent="0" algn="l" rtl="0">
+              <a:spcBef>
+                <a:spcPts val="0"/>
+              </a:spcBef>
+              <a:spcAft>
+                <a:spcPts val="0"/>
+              </a:spcAft>
+              <a:buNone/>
+            </a:pPr>
+            <a:endParaRPr/>
+          </a:p>
+        </p:txBody>
+      </p:sp>
+    </p:spTree>
+  </p:cSld>
+  <p:clrMapOvr>
+    <a:masterClrMapping/>
+  </p:clrMapOvr>
+</p:notes>
+</file>
+
+<file path=ppt/notesSlides/notesSlide11.xml><?xml version="1.0" encoding="utf-8"?>
+<p:notes xmlns:a="http://schemas.openxmlformats.org/drawingml/2006/main" xmlns:r="http://schemas.openxmlformats.org/officeDocument/2006/relationships" xmlns:p="http://schemas.openxmlformats.org/presentationml/2006/main" showMasterSp="0" showMasterPhAnim="0">
+  <p:cSld>
+    <p:spTree>
+      <p:nvGrpSpPr>
         <p:cNvPr id="1" name="Shape 191"/>
         <p:cNvGrpSpPr/>
         <p:nvPr/>
@@ -956,7 +1060,7 @@
 </p:notes>
 </file>
 
-<file path=ppt/notesSlides/notesSlide11.xml><?xml version="1.0" encoding="utf-8"?>
+<file path=ppt/notesSlides/notesSlide12.xml><?xml version="1.0" encoding="utf-8"?>
 <p:notes xmlns:a="http://schemas.openxmlformats.org/drawingml/2006/main" xmlns:r="http://schemas.openxmlformats.org/officeDocument/2006/relationships" xmlns:p="http://schemas.openxmlformats.org/presentationml/2006/main" showMasterSp="0" showMasterPhAnim="0">
   <p:cSld>
     <p:spTree>
@@ -1060,7 +1164,7 @@
 </p:notes>
 </file>
 
-<file path=ppt/notesSlides/notesSlide12.xml><?xml version="1.0" encoding="utf-8"?>
+<file path=ppt/notesSlides/notesSlide13.xml><?xml version="1.0" encoding="utf-8"?>
 <p:notes xmlns:a="http://schemas.openxmlformats.org/drawingml/2006/main" xmlns:r="http://schemas.openxmlformats.org/officeDocument/2006/relationships" xmlns:p="http://schemas.openxmlformats.org/presentationml/2006/main" showMasterSp="0" showMasterPhAnim="0">
   <p:cSld>
     <p:spTree>
@@ -1164,7 +1268,7 @@
 </p:notes>
 </file>
 
-<file path=ppt/notesSlides/notesSlide13.xml><?xml version="1.0" encoding="utf-8"?>
+<file path=ppt/notesSlides/notesSlide14.xml><?xml version="1.0" encoding="utf-8"?>
 <p:notes xmlns:a="http://schemas.openxmlformats.org/drawingml/2006/main" xmlns:r="http://schemas.openxmlformats.org/officeDocument/2006/relationships" xmlns:p="http://schemas.openxmlformats.org/presentationml/2006/main" showMasterSp="0" showMasterPhAnim="0">
   <p:cSld>
     <p:spTree>
@@ -1268,7 +1372,7 @@
 </p:notes>
 </file>
 
-<file path=ppt/notesSlides/notesSlide14.xml><?xml version="1.0" encoding="utf-8"?>
+<file path=ppt/notesSlides/notesSlide15.xml><?xml version="1.0" encoding="utf-8"?>
 <p:notes xmlns:a="http://schemas.openxmlformats.org/drawingml/2006/main" xmlns:r="http://schemas.openxmlformats.org/officeDocument/2006/relationships" xmlns:p="http://schemas.openxmlformats.org/presentationml/2006/main" showMasterSp="0" showMasterPhAnim="0">
   <p:cSld>
     <p:spTree>
@@ -1372,7 +1476,7 @@
 </p:notes>
 </file>
 
-<file path=ppt/notesSlides/notesSlide15.xml><?xml version="1.0" encoding="utf-8"?>
+<file path=ppt/notesSlides/notesSlide16.xml><?xml version="1.0" encoding="utf-8"?>
 <p:notes xmlns:a="http://schemas.openxmlformats.org/drawingml/2006/main" xmlns:r="http://schemas.openxmlformats.org/officeDocument/2006/relationships" xmlns:p="http://schemas.openxmlformats.org/presentationml/2006/main" showMasterSp="0" showMasterPhAnim="0">
   <p:cSld>
     <p:spTree>
@@ -1476,7 +1580,7 @@
 </p:notes>
 </file>
 
-<file path=ppt/notesSlides/notesSlide16.xml><?xml version="1.0" encoding="utf-8"?>
+<file path=ppt/notesSlides/notesSlide17.xml><?xml version="1.0" encoding="utf-8"?>
 <p:notes xmlns:a="http://schemas.openxmlformats.org/drawingml/2006/main" xmlns:r="http://schemas.openxmlformats.org/officeDocument/2006/relationships" xmlns:p="http://schemas.openxmlformats.org/presentationml/2006/main" showMasterSp="0" showMasterPhAnim="0">
   <p:cSld>
     <p:spTree>
@@ -1609,7 +1713,7 @@
         </p:nvSpPr>
         <p:spPr>
           <a:xfrm>
-            <a:off x="381300" y="685800"/>
+            <a:off x="381000" y="685800"/>
             <a:ext cx="6096000" cy="3429000"/>
           </a:xfrm>
           <a:custGeom>
@@ -1997,6 +2101,72 @@
 </file>
 
 <file path=ppt/notesSlides/notesSlide6.xml><?xml version="1.0" encoding="utf-8"?>
+<p:notes xmlns:a="http://schemas.openxmlformats.org/drawingml/2006/main" xmlns:r="http://schemas.openxmlformats.org/officeDocument/2006/relationships" xmlns:p="http://schemas.openxmlformats.org/presentationml/2006/main">
+  <p:cSld>
+    <p:spTree>
+      <p:nvGrpSpPr>
+        <p:cNvPr id="1" name=""/>
+        <p:cNvGrpSpPr/>
+        <p:nvPr/>
+      </p:nvGrpSpPr>
+      <p:grpSpPr>
+        <a:xfrm>
+          <a:off x="0" y="0"/>
+          <a:ext cx="0" cy="0"/>
+          <a:chOff x="0" y="0"/>
+          <a:chExt cx="0" cy="0"/>
+        </a:xfrm>
+      </p:grpSpPr>
+      <p:sp>
+        <p:nvSpPr>
+          <p:cNvPr id="2" name="Slide Image Placeholder 1"/>
+          <p:cNvSpPr>
+            <a:spLocks noGrp="1" noRot="1" noChangeAspect="1"/>
+          </p:cNvSpPr>
+          <p:nvPr>
+            <p:ph type="sldImg"/>
+          </p:nvPr>
+        </p:nvSpPr>
+        <p:spPr>
+          <a:xfrm>
+            <a:off x="381000" y="685800"/>
+            <a:ext cx="6096000" cy="3429000"/>
+          </a:xfrm>
+        </p:spPr>
+      </p:sp>
+      <p:sp>
+        <p:nvSpPr>
+          <p:cNvPr id="3" name="Notes Placeholder 2"/>
+          <p:cNvSpPr>
+            <a:spLocks noGrp="1"/>
+          </p:cNvSpPr>
+          <p:nvPr>
+            <p:ph type="body" idx="1"/>
+          </p:nvPr>
+        </p:nvSpPr>
+        <p:spPr/>
+        <p:txBody>
+          <a:bodyPr/>
+          <a:lstStyle/>
+          <a:p>
+            <a:endParaRPr lang="en-IN" dirty="0"/>
+          </a:p>
+        </p:txBody>
+      </p:sp>
+    </p:spTree>
+    <p:extLst>
+      <p:ext uri="{BB962C8B-B14F-4D97-AF65-F5344CB8AC3E}">
+        <p14:creationId xmlns:p14="http://schemas.microsoft.com/office/powerpoint/2010/main" val="3011553646"/>
+      </p:ext>
+    </p:extLst>
+  </p:cSld>
+  <p:clrMapOvr>
+    <a:masterClrMapping/>
+  </p:clrMapOvr>
+</p:notes>
+</file>
+
+<file path=ppt/notesSlides/notesSlide7.xml><?xml version="1.0" encoding="utf-8"?>
 <p:notes xmlns:a="http://schemas.openxmlformats.org/drawingml/2006/main" xmlns:r="http://schemas.openxmlformats.org/officeDocument/2006/relationships" xmlns:p="http://schemas.openxmlformats.org/presentationml/2006/main" showMasterSp="0" showMasterPhAnim="0">
   <p:cSld>
     <p:spTree>
@@ -2100,7 +2270,7 @@
 </p:notes>
 </file>
 
-<file path=ppt/notesSlides/notesSlide7.xml><?xml version="1.0" encoding="utf-8"?>
+<file path=ppt/notesSlides/notesSlide8.xml><?xml version="1.0" encoding="utf-8"?>
 <p:notes xmlns:a="http://schemas.openxmlformats.org/drawingml/2006/main" xmlns:r="http://schemas.openxmlformats.org/officeDocument/2006/relationships" xmlns:p="http://schemas.openxmlformats.org/presentationml/2006/main" showMasterSp="0" showMasterPhAnim="0">
   <p:cSld>
     <p:spTree>
@@ -2204,7 +2374,7 @@
 </p:notes>
 </file>
 
-<file path=ppt/notesSlides/notesSlide8.xml><?xml version="1.0" encoding="utf-8"?>
+<file path=ppt/notesSlides/notesSlide9.xml><?xml version="1.0" encoding="utf-8"?>
 <p:notes xmlns:a="http://schemas.openxmlformats.org/drawingml/2006/main" xmlns:r="http://schemas.openxmlformats.org/officeDocument/2006/relationships" xmlns:p="http://schemas.openxmlformats.org/presentationml/2006/main" showMasterSp="0" showMasterPhAnim="0">
   <p:cSld>
     <p:spTree>
@@ -2233,7 +2403,7 @@
         </p:nvSpPr>
         <p:spPr>
           <a:xfrm>
-            <a:off x="381300" y="685800"/>
+            <a:off x="381000" y="685800"/>
             <a:ext cx="6096000" cy="3429000"/>
           </a:xfrm>
           <a:custGeom>
@@ -2265,110 +2435,6 @@
       <p:sp>
         <p:nvSpPr>
           <p:cNvPr id="181" name="Google Shape;181;g10ce374e64a_0_16:notes"/>
-          <p:cNvSpPr txBox="1">
-            <a:spLocks noGrp="1"/>
-          </p:cNvSpPr>
-          <p:nvPr>
-            <p:ph type="body" idx="1"/>
-          </p:nvPr>
-        </p:nvSpPr>
-        <p:spPr>
-          <a:xfrm>
-            <a:off x="685800" y="4343400"/>
-            <a:ext cx="5486400" cy="4114800"/>
-          </a:xfrm>
-          <a:prstGeom prst="rect">
-            <a:avLst/>
-          </a:prstGeom>
-        </p:spPr>
-        <p:txBody>
-          <a:bodyPr spcFirstLastPara="1" wrap="square" lIns="91425" tIns="91425" rIns="91425" bIns="91425" anchor="t" anchorCtr="0">
-            <a:noAutofit/>
-          </a:bodyPr>
-          <a:lstStyle/>
-          <a:p>
-            <a:pPr marL="0" lvl="0" indent="0" algn="l" rtl="0">
-              <a:spcBef>
-                <a:spcPts val="0"/>
-              </a:spcBef>
-              <a:spcAft>
-                <a:spcPts val="0"/>
-              </a:spcAft>
-              <a:buNone/>
-            </a:pPr>
-            <a:endParaRPr/>
-          </a:p>
-        </p:txBody>
-      </p:sp>
-    </p:spTree>
-  </p:cSld>
-  <p:clrMapOvr>
-    <a:masterClrMapping/>
-  </p:clrMapOvr>
-</p:notes>
-</file>
-
-<file path=ppt/notesSlides/notesSlide9.xml><?xml version="1.0" encoding="utf-8"?>
-<p:notes xmlns:a="http://schemas.openxmlformats.org/drawingml/2006/main" xmlns:r="http://schemas.openxmlformats.org/officeDocument/2006/relationships" xmlns:p="http://schemas.openxmlformats.org/presentationml/2006/main" showMasterSp="0" showMasterPhAnim="0">
-  <p:cSld>
-    <p:spTree>
-      <p:nvGrpSpPr>
-        <p:cNvPr id="1" name="Shape 185"/>
-        <p:cNvGrpSpPr/>
-        <p:nvPr/>
-      </p:nvGrpSpPr>
-      <p:grpSpPr>
-        <a:xfrm>
-          <a:off x="0" y="0"/>
-          <a:ext cx="0" cy="0"/>
-          <a:chOff x="0" y="0"/>
-          <a:chExt cx="0" cy="0"/>
-        </a:xfrm>
-      </p:grpSpPr>
-      <p:sp>
-        <p:nvSpPr>
-          <p:cNvPr id="186" name="Google Shape;186;g10ce374e64a_0_23:notes"/>
-          <p:cNvSpPr>
-            <a:spLocks noGrp="1" noRot="1" noChangeAspect="1"/>
-          </p:cNvSpPr>
-          <p:nvPr>
-            <p:ph type="sldImg" idx="2"/>
-          </p:nvPr>
-        </p:nvSpPr>
-        <p:spPr>
-          <a:xfrm>
-            <a:off x="381300" y="685800"/>
-            <a:ext cx="6096000" cy="3429000"/>
-          </a:xfrm>
-          <a:custGeom>
-            <a:avLst/>
-            <a:gdLst/>
-            <a:ahLst/>
-            <a:cxnLst/>
-            <a:rect l="l" t="t" r="r" b="b"/>
-            <a:pathLst>
-              <a:path w="120000" h="120000" extrusionOk="0">
-                <a:moveTo>
-                  <a:pt x="0" y="0"/>
-                </a:moveTo>
-                <a:lnTo>
-                  <a:pt x="120000" y="0"/>
-                </a:lnTo>
-                <a:lnTo>
-                  <a:pt x="120000" y="120000"/>
-                </a:lnTo>
-                <a:lnTo>
-                  <a:pt x="0" y="120000"/>
-                </a:lnTo>
-                <a:close/>
-              </a:path>
-            </a:pathLst>
-          </a:custGeom>
-        </p:spPr>
-      </p:sp>
-      <p:sp>
-        <p:nvSpPr>
-          <p:cNvPr id="187" name="Google Shape;187;g10ce374e64a_0_23:notes"/>
           <p:cNvSpPr txBox="1">
             <a:spLocks noGrp="1"/>
           </p:cNvSpPr>
@@ -10549,7 +10615,7 @@
         </p:blipFill>
         <p:spPr>
           <a:xfrm>
-            <a:off x="1346950" y="471475"/>
+            <a:off x="1419225" y="471475"/>
             <a:ext cx="6305550" cy="3724275"/>
           </a:xfrm>
           <a:prstGeom prst="rect">
@@ -10596,7 +10662,7 @@
               <a:buNone/>
             </a:pPr>
             <a:r>
-              <a:rPr lang="en">
+              <a:rPr lang="en" dirty="0">
                 <a:latin typeface="Calibri"/>
                 <a:ea typeface="Calibri"/>
                 <a:cs typeface="Calibri"/>
@@ -10604,7 +10670,7 @@
               </a:rPr>
               <a:t>Fig b :- Driver Drowsiness System</a:t>
             </a:r>
-            <a:endParaRPr>
+            <a:endParaRPr dirty="0">
               <a:latin typeface="Calibri"/>
               <a:ea typeface="Calibri"/>
               <a:cs typeface="Calibri"/>
@@ -11804,12 +11870,8 @@
               <a:t>, </a:t>
             </a:r>
             <a:r>
-              <a:rPr lang="en-IN" sz="1500" dirty="0" err="1"/>
-              <a:t>Nachammai</a:t>
-            </a:r>
-            <a:r>
               <a:rPr lang="en-IN" sz="1500" dirty="0"/>
-              <a:t> Devi Pooja S [11] and their subordinates</a:t>
+              <a:t>Nachammai Devi Pooja S [11] and their subordinates</a:t>
             </a:r>
             <a:r>
               <a:rPr lang="en" sz="1500" dirty="0"/>
@@ -11832,12 +11894,8 @@
               <a:buChar char="●"/>
             </a:pPr>
             <a:r>
-              <a:rPr lang="en-US" sz="1500" dirty="0" err="1"/>
-              <a:t>Haar</a:t>
-            </a:r>
-            <a:r>
               <a:rPr lang="en-US" sz="1500" dirty="0"/>
-              <a:t> Cascade Classifiers”(IEEE Xplore Part Number: CFP21K74-ART; ISBN: 978-0-7381-1327-2)</a:t>
+              <a:t>Harr Cascade Classifiers”(IEEE Xplore Part Number: CFP21K74-ART; ISBN: 978-0-7381-1327-2)</a:t>
             </a:r>
           </a:p>
           <a:p>
@@ -12651,8 +12709,8 @@
         </p:nvSpPr>
         <p:spPr>
           <a:xfrm>
-            <a:off x="993000" y="3367775"/>
-            <a:ext cx="6626700" cy="1559700"/>
+            <a:off x="2409571" y="3341771"/>
+            <a:ext cx="4950600" cy="1376757"/>
           </a:xfrm>
           <a:prstGeom prst="rect">
             <a:avLst/>
@@ -12668,7 +12726,7 @@
           </a:bodyPr>
           <a:lstStyle/>
           <a:p>
-            <a:pPr marL="0" lvl="0" indent="0" algn="ctr" rtl="0">
+            <a:pPr marL="0" lvl="0" indent="0" rtl="0">
               <a:lnSpc>
                 <a:spcPct val="80000"/>
               </a:lnSpc>
@@ -12681,7 +12739,7 @@
               <a:buNone/>
             </a:pPr>
             <a:r>
-              <a:rPr lang="en" sz="1600">
+              <a:rPr lang="en" sz="1600" dirty="0">
                 <a:solidFill>
                   <a:schemeClr val="dk2"/>
                 </a:solidFill>
@@ -12690,9 +12748,9 @@
                 <a:cs typeface="Roboto"/>
                 <a:sym typeface="Roboto"/>
               </a:rPr>
-              <a:t>Presented by,</a:t>
+              <a:t>	            Presented by</a:t>
             </a:r>
-            <a:endParaRPr sz="1600">
+            <a:endParaRPr sz="1600" dirty="0">
               <a:solidFill>
                 <a:schemeClr val="dk2"/>
               </a:solidFill>
@@ -12703,7 +12761,7 @@
             </a:endParaRPr>
           </a:p>
           <a:p>
-            <a:pPr marL="0" lvl="0" indent="0" algn="ctr" rtl="0">
+            <a:pPr marL="0" lvl="0" indent="0" algn="just" rtl="0">
               <a:lnSpc>
                 <a:spcPct val="80000"/>
               </a:lnSpc>
@@ -12716,25 +12774,25 @@
               <a:buNone/>
             </a:pPr>
             <a:r>
-              <a:rPr lang="en" sz="1500"/>
+              <a:rPr lang="en" sz="1500" dirty="0"/>
               <a:t> </a:t>
             </a:r>
             <a:r>
-              <a:rPr lang="en" sz="1500">
+              <a:rPr lang="en" sz="1500" dirty="0">
                 <a:solidFill>
                   <a:srgbClr val="3C78D8"/>
                 </a:solidFill>
               </a:rPr>
               <a:t> 1.Prajwal I                 	 (1KI18EC031)</a:t>
             </a:r>
-            <a:endParaRPr sz="1500">
+            <a:endParaRPr lang="en-IN" sz="1500" dirty="0">
               <a:solidFill>
                 <a:srgbClr val="3C78D8"/>
               </a:solidFill>
             </a:endParaRPr>
           </a:p>
           <a:p>
-            <a:pPr marL="0" lvl="0" indent="0" algn="ctr" rtl="0">
+            <a:pPr marL="0" lvl="0" indent="0" algn="just" rtl="0">
               <a:lnSpc>
                 <a:spcPct val="80000"/>
               </a:lnSpc>
@@ -12747,21 +12805,51 @@
               <a:buNone/>
             </a:pPr>
             <a:r>
-              <a:rPr lang="en" sz="1500">
+              <a:rPr lang="en" sz="1500" dirty="0">
                 <a:solidFill>
                   <a:srgbClr val="3C78D8"/>
                 </a:solidFill>
               </a:rPr>
-              <a:t>  2.Prajwal N                        (1KI18EC032)</a:t>
+              <a:t>  </a:t>
             </a:r>
-            <a:endParaRPr sz="1500">
+            <a:r>
+              <a:rPr lang="en-IN" sz="1500" dirty="0">
+                <a:solidFill>
+                  <a:srgbClr val="3C78D8"/>
+                </a:solidFill>
+              </a:rPr>
+              <a:t>2.Prajwal N                                 (1KI18EC032)</a:t>
+            </a:r>
+          </a:p>
+          <a:p>
+            <a:pPr marL="0" lvl="0" indent="0" algn="just" rtl="0">
+              <a:lnSpc>
+                <a:spcPct val="80000"/>
+              </a:lnSpc>
+              <a:spcBef>
+                <a:spcPts val="400"/>
+              </a:spcBef>
+              <a:spcAft>
+                <a:spcPts val="0"/>
+              </a:spcAft>
+              <a:buNone/>
+            </a:pPr>
+            <a:r>
+              <a:rPr lang="en" sz="1500" dirty="0">
+                <a:solidFill>
+                  <a:srgbClr val="3C78D8"/>
+                </a:solidFill>
+              </a:rPr>
+              <a:t>  3.Ranganathaswamy Y S          (1KI18EC035)</a:t>
+            </a:r>
+            <a:endParaRPr sz="1500" dirty="0">
               <a:solidFill>
                 <a:srgbClr val="3C78D8"/>
               </a:solidFill>
             </a:endParaRPr>
           </a:p>
           <a:p>
-            <a:pPr marL="0" lvl="0" indent="0" algn="ctr" rtl="0">
+            <a:pPr marL="0" lvl="0" indent="0" algn="just" rtl="0">
               <a:lnSpc>
                 <a:spcPct val="80000"/>
               </a:lnSpc>
@@ -12774,41 +12862,14 @@
               <a:buNone/>
             </a:pPr>
             <a:r>
-              <a:rPr lang="en" sz="1500">
+              <a:rPr lang="en" sz="1500" dirty="0">
                 <a:solidFill>
                   <a:srgbClr val="3C78D8"/>
                 </a:solidFill>
               </a:rPr>
-              <a:t>  3.Ranganathaswamy Y S  (1KI18EC035)</a:t>
+              <a:t>  4.Syed Arfath		 (1KI18EC050)</a:t>
             </a:r>
-            <a:endParaRPr sz="1500">
-              <a:solidFill>
-                <a:srgbClr val="3C78D8"/>
-              </a:solidFill>
-            </a:endParaRPr>
-          </a:p>
-          <a:p>
-            <a:pPr marL="0" lvl="0" indent="0" algn="ctr" rtl="0">
-              <a:lnSpc>
-                <a:spcPct val="80000"/>
-              </a:lnSpc>
-              <a:spcBef>
-                <a:spcPts val="400"/>
-              </a:spcBef>
-              <a:spcAft>
-                <a:spcPts val="0"/>
-              </a:spcAft>
-              <a:buNone/>
-            </a:pPr>
-            <a:r>
-              <a:rPr lang="en" sz="1500">
-                <a:solidFill>
-                  <a:srgbClr val="3C78D8"/>
-                </a:solidFill>
-              </a:rPr>
-              <a:t>  4.Syed Arfath			 (1KI18EC050)</a:t>
-            </a:r>
-            <a:endParaRPr sz="1500">
+            <a:endParaRPr sz="1500" dirty="0">
               <a:solidFill>
                 <a:srgbClr val="3C78D8"/>
               </a:solidFill>
@@ -13890,10 +13951,63 @@
           </a:xfrm>
         </p:spPr>
         <p:txBody>
-          <a:bodyPr/>
+          <a:bodyPr>
+            <a:normAutofit/>
+          </a:bodyPr>
           <a:lstStyle/>
           <a:p>
-            <a:endParaRPr lang="en-IN" dirty="0"/>
+            <a:r>
+              <a:rPr lang="en-US" sz="1500" i="1" dirty="0">
+                <a:latin typeface="Roboto" panose="02000000000000000000" pitchFamily="2" charset="0"/>
+                <a:ea typeface="Roboto" panose="02000000000000000000" pitchFamily="2" charset="0"/>
+              </a:rPr>
+              <a:t>Drowsiness Detection:- </a:t>
+            </a:r>
+            <a:r>
+              <a:rPr lang="en-US" sz="1500" dirty="0">
+                <a:latin typeface="Roboto" panose="02000000000000000000" pitchFamily="2" charset="0"/>
+                <a:ea typeface="Roboto" panose="02000000000000000000" pitchFamily="2" charset="0"/>
+              </a:rPr>
+              <a:t>IEEE paper of Praveen Kumar K P  and their crew from Sivasubramanya College, Chennai on “Driver assistance system using Raspberry pi &amp; Harr Cascade Classifier”, provides a technique for finding a drowsiness of a driver by using Harr Cascade Classifier in open-CV.</a:t>
+            </a:r>
+          </a:p>
+          <a:p>
+            <a:endParaRPr lang="en-US" sz="1500" dirty="0">
+              <a:latin typeface="Roboto" panose="02000000000000000000" pitchFamily="2" charset="0"/>
+              <a:ea typeface="Roboto" panose="02000000000000000000" pitchFamily="2" charset="0"/>
+            </a:endParaRPr>
+          </a:p>
+          <a:p>
+            <a:endParaRPr lang="en-US" sz="1500" dirty="0">
+              <a:latin typeface="Roboto" panose="02000000000000000000" pitchFamily="2" charset="0"/>
+              <a:ea typeface="Roboto" panose="02000000000000000000" pitchFamily="2" charset="0"/>
+            </a:endParaRPr>
+          </a:p>
+          <a:p>
+            <a:r>
+              <a:rPr lang="en-US" sz="1500" i="1" dirty="0">
+                <a:latin typeface="Roboto" panose="02000000000000000000" pitchFamily="2" charset="0"/>
+                <a:ea typeface="Roboto" panose="02000000000000000000" pitchFamily="2" charset="0"/>
+              </a:rPr>
+              <a:t>Pothole Detection</a:t>
+            </a:r>
+            <a:r>
+              <a:rPr lang="en-US" sz="1500" dirty="0">
+                <a:latin typeface="Roboto" panose="02000000000000000000" pitchFamily="2" charset="0"/>
+                <a:ea typeface="Roboto" panose="02000000000000000000" pitchFamily="2" charset="0"/>
+              </a:rPr>
+              <a:t>:- A research paper on “Detecting  and Counting of Potholes using Image Processing Techniques” presented by the MTech students from Puducherry ,show the various techniques used to find the pothole in images. By their research paper we came to know that 82-91% of accuracy in detection can be obtained by using Edge-Detection and Fuzzy C means Clustering algorithms.</a:t>
+            </a:r>
+          </a:p>
+          <a:p>
+            <a:endParaRPr lang="en-US" sz="1500" dirty="0"/>
+          </a:p>
+          <a:p>
+            <a:endParaRPr lang="en-US" sz="1500" dirty="0"/>
+          </a:p>
+          <a:p>
+            <a:pPr lvl="1"/>
+            <a:endParaRPr lang="en-IN" sz="1300" dirty="0"/>
           </a:p>
         </p:txBody>
       </p:sp>
@@ -13945,7 +14059,7 @@
         </p:nvSpPr>
         <p:spPr>
           <a:xfrm>
-            <a:off x="766684" y="283469"/>
+            <a:off x="886606" y="227475"/>
             <a:ext cx="7505700" cy="954600"/>
           </a:xfrm>
         </p:spPr>
@@ -13984,10 +14098,66 @@
           </a:xfrm>
         </p:spPr>
         <p:txBody>
-          <a:bodyPr/>
+          <a:bodyPr>
+            <a:normAutofit/>
+          </a:bodyPr>
           <a:lstStyle/>
           <a:p>
-            <a:endParaRPr lang="en-IN" dirty="0"/>
+            <a:r>
+              <a:rPr lang="en-US" sz="1500" i="1" dirty="0">
+                <a:latin typeface="Roboto" panose="02000000000000000000" pitchFamily="2" charset="0"/>
+                <a:ea typeface="Roboto" panose="02000000000000000000" pitchFamily="2" charset="0"/>
+              </a:rPr>
+              <a:t>Lane Detection: </a:t>
+            </a:r>
+            <a:r>
+              <a:rPr lang="en-US" sz="1500" dirty="0">
+                <a:latin typeface="Roboto" panose="02000000000000000000" pitchFamily="2" charset="0"/>
+                <a:ea typeface="Roboto" panose="02000000000000000000" pitchFamily="2" charset="0"/>
+              </a:rPr>
+              <a:t> A Chinese Research paper on “ Lane detection of Curving road for Structural highway with straight curve model on vision” by Wang brothers, which provides a geometric technique to find the relative movement of the vehicle with the lane of the road.</a:t>
+            </a:r>
+          </a:p>
+          <a:p>
+            <a:endParaRPr lang="en-US" sz="1500" dirty="0">
+              <a:latin typeface="Roboto" panose="02000000000000000000" pitchFamily="2" charset="0"/>
+              <a:ea typeface="Roboto" panose="02000000000000000000" pitchFamily="2" charset="0"/>
+            </a:endParaRPr>
+          </a:p>
+          <a:p>
+            <a:endParaRPr lang="en-US" sz="1500" dirty="0">
+              <a:latin typeface="Roboto" panose="02000000000000000000" pitchFamily="2" charset="0"/>
+              <a:ea typeface="Roboto" panose="02000000000000000000" pitchFamily="2" charset="0"/>
+            </a:endParaRPr>
+          </a:p>
+          <a:p>
+            <a:r>
+              <a:rPr lang="en-US" sz="1500" i="1" dirty="0">
+                <a:latin typeface="Roboto" panose="02000000000000000000" pitchFamily="2" charset="0"/>
+                <a:ea typeface="Roboto" panose="02000000000000000000" pitchFamily="2" charset="0"/>
+              </a:rPr>
+              <a:t>Intruder Detection:-</a:t>
+            </a:r>
+            <a:r>
+              <a:rPr lang="en-US" sz="1500" dirty="0">
+                <a:latin typeface="Roboto" panose="02000000000000000000" pitchFamily="2" charset="0"/>
+                <a:ea typeface="Roboto" panose="02000000000000000000" pitchFamily="2" charset="0"/>
+              </a:rPr>
+              <a:t> The paper published by the final year students of Vellammal Engineering College ,Chennai in the year 2015 on “Image Processing Based Intruder Detection”, which identifies the intruder by using neural network.</a:t>
+            </a:r>
+            <a:endParaRPr lang="en-US" sz="1500" i="1" dirty="0">
+              <a:latin typeface="Roboto" panose="02000000000000000000" pitchFamily="2" charset="0"/>
+              <a:ea typeface="Roboto" panose="02000000000000000000" pitchFamily="2" charset="0"/>
+            </a:endParaRPr>
+          </a:p>
+          <a:p>
+            <a:pPr marL="146050" indent="0">
+              <a:buNone/>
+            </a:pPr>
+            <a:endParaRPr lang="en-US" sz="1500" dirty="0">
+              <a:latin typeface="Roboto" panose="02000000000000000000" pitchFamily="2" charset="0"/>
+              <a:ea typeface="Roboto" panose="02000000000000000000" pitchFamily="2" charset="0"/>
+            </a:endParaRPr>
           </a:p>
         </p:txBody>
       </p:sp>

--- a/Phase-1/Advanced Vehicle Safety System.pptx
+++ b/Phase-1/Advanced Vehicle Safety System.pptx
@@ -13,9 +13,9 @@
     <p:sldId id="258" r:id="rId4"/>
     <p:sldId id="259" r:id="rId5"/>
     <p:sldId id="260" r:id="rId6"/>
-    <p:sldId id="272" r:id="rId7"/>
-    <p:sldId id="273" r:id="rId8"/>
-    <p:sldId id="262" r:id="rId9"/>
+    <p:sldId id="262" r:id="rId7"/>
+    <p:sldId id="272" r:id="rId8"/>
+    <p:sldId id="273" r:id="rId9"/>
     <p:sldId id="263" r:id="rId10"/>
     <p:sldId id="264" r:id="rId11"/>
     <p:sldId id="265" r:id="rId12"/>
@@ -881,7 +881,7 @@
         </p:nvSpPr>
         <p:spPr>
           <a:xfrm>
-            <a:off x="381300" y="685800"/>
+            <a:off x="381000" y="685800"/>
             <a:ext cx="6096000" cy="3429000"/>
           </a:xfrm>
           <a:custGeom>
@@ -2101,72 +2101,6 @@
 </file>
 
 <file path=ppt/notesSlides/notesSlide6.xml><?xml version="1.0" encoding="utf-8"?>
-<p:notes xmlns:a="http://schemas.openxmlformats.org/drawingml/2006/main" xmlns:r="http://schemas.openxmlformats.org/officeDocument/2006/relationships" xmlns:p="http://schemas.openxmlformats.org/presentationml/2006/main">
-  <p:cSld>
-    <p:spTree>
-      <p:nvGrpSpPr>
-        <p:cNvPr id="1" name=""/>
-        <p:cNvGrpSpPr/>
-        <p:nvPr/>
-      </p:nvGrpSpPr>
-      <p:grpSpPr>
-        <a:xfrm>
-          <a:off x="0" y="0"/>
-          <a:ext cx="0" cy="0"/>
-          <a:chOff x="0" y="0"/>
-          <a:chExt cx="0" cy="0"/>
-        </a:xfrm>
-      </p:grpSpPr>
-      <p:sp>
-        <p:nvSpPr>
-          <p:cNvPr id="2" name="Slide Image Placeholder 1"/>
-          <p:cNvSpPr>
-            <a:spLocks noGrp="1" noRot="1" noChangeAspect="1"/>
-          </p:cNvSpPr>
-          <p:nvPr>
-            <p:ph type="sldImg"/>
-          </p:nvPr>
-        </p:nvSpPr>
-        <p:spPr>
-          <a:xfrm>
-            <a:off x="381000" y="685800"/>
-            <a:ext cx="6096000" cy="3429000"/>
-          </a:xfrm>
-        </p:spPr>
-      </p:sp>
-      <p:sp>
-        <p:nvSpPr>
-          <p:cNvPr id="3" name="Notes Placeholder 2"/>
-          <p:cNvSpPr>
-            <a:spLocks noGrp="1"/>
-          </p:cNvSpPr>
-          <p:nvPr>
-            <p:ph type="body" idx="1"/>
-          </p:nvPr>
-        </p:nvSpPr>
-        <p:spPr/>
-        <p:txBody>
-          <a:bodyPr/>
-          <a:lstStyle/>
-          <a:p>
-            <a:endParaRPr lang="en-IN" dirty="0"/>
-          </a:p>
-        </p:txBody>
-      </p:sp>
-    </p:spTree>
-    <p:extLst>
-      <p:ext uri="{BB962C8B-B14F-4D97-AF65-F5344CB8AC3E}">
-        <p14:creationId xmlns:p14="http://schemas.microsoft.com/office/powerpoint/2010/main" val="3011553646"/>
-      </p:ext>
-    </p:extLst>
-  </p:cSld>
-  <p:clrMapOvr>
-    <a:masterClrMapping/>
-  </p:clrMapOvr>
-</p:notes>
-</file>
-
-<file path=ppt/notesSlides/notesSlide7.xml><?xml version="1.0" encoding="utf-8"?>
 <p:notes xmlns:a="http://schemas.openxmlformats.org/drawingml/2006/main" xmlns:r="http://schemas.openxmlformats.org/officeDocument/2006/relationships" xmlns:p="http://schemas.openxmlformats.org/presentationml/2006/main" showMasterSp="0" showMasterPhAnim="0">
   <p:cSld>
     <p:spTree>
@@ -2270,6 +2204,72 @@
 </p:notes>
 </file>
 
+<file path=ppt/notesSlides/notesSlide7.xml><?xml version="1.0" encoding="utf-8"?>
+<p:notes xmlns:a="http://schemas.openxmlformats.org/drawingml/2006/main" xmlns:r="http://schemas.openxmlformats.org/officeDocument/2006/relationships" xmlns:p="http://schemas.openxmlformats.org/presentationml/2006/main">
+  <p:cSld>
+    <p:spTree>
+      <p:nvGrpSpPr>
+        <p:cNvPr id="1" name=""/>
+        <p:cNvGrpSpPr/>
+        <p:nvPr/>
+      </p:nvGrpSpPr>
+      <p:grpSpPr>
+        <a:xfrm>
+          <a:off x="0" y="0"/>
+          <a:ext cx="0" cy="0"/>
+          <a:chOff x="0" y="0"/>
+          <a:chExt cx="0" cy="0"/>
+        </a:xfrm>
+      </p:grpSpPr>
+      <p:sp>
+        <p:nvSpPr>
+          <p:cNvPr id="2" name="Slide Image Placeholder 1"/>
+          <p:cNvSpPr>
+            <a:spLocks noGrp="1" noRot="1" noChangeAspect="1"/>
+          </p:cNvSpPr>
+          <p:nvPr>
+            <p:ph type="sldImg"/>
+          </p:nvPr>
+        </p:nvSpPr>
+        <p:spPr>
+          <a:xfrm>
+            <a:off x="381000" y="685800"/>
+            <a:ext cx="6096000" cy="3429000"/>
+          </a:xfrm>
+        </p:spPr>
+      </p:sp>
+      <p:sp>
+        <p:nvSpPr>
+          <p:cNvPr id="3" name="Notes Placeholder 2"/>
+          <p:cNvSpPr>
+            <a:spLocks noGrp="1"/>
+          </p:cNvSpPr>
+          <p:nvPr>
+            <p:ph type="body" idx="1"/>
+          </p:nvPr>
+        </p:nvSpPr>
+        <p:spPr/>
+        <p:txBody>
+          <a:bodyPr/>
+          <a:lstStyle/>
+          <a:p>
+            <a:endParaRPr lang="en-IN" dirty="0"/>
+          </a:p>
+        </p:txBody>
+      </p:sp>
+    </p:spTree>
+    <p:extLst>
+      <p:ext uri="{BB962C8B-B14F-4D97-AF65-F5344CB8AC3E}">
+        <p14:creationId xmlns:p14="http://schemas.microsoft.com/office/powerpoint/2010/main" val="3011553646"/>
+      </p:ext>
+    </p:extLst>
+  </p:cSld>
+  <p:clrMapOvr>
+    <a:masterClrMapping/>
+  </p:clrMapOvr>
+</p:notes>
+</file>
+
 <file path=ppt/notesSlides/notesSlide8.xml><?xml version="1.0" encoding="utf-8"?>
 <p:notes xmlns:a="http://schemas.openxmlformats.org/drawingml/2006/main" xmlns:r="http://schemas.openxmlformats.org/officeDocument/2006/relationships" xmlns:p="http://schemas.openxmlformats.org/presentationml/2006/main" showMasterSp="0" showMasterPhAnim="0">
   <p:cSld>
@@ -2299,7 +2299,7 @@
         </p:nvSpPr>
         <p:spPr>
           <a:xfrm>
-            <a:off x="381300" y="685800"/>
+            <a:off x="381000" y="685800"/>
             <a:ext cx="6096000" cy="3429000"/>
           </a:xfrm>
           <a:custGeom>
@@ -10606,12 +10606,9 @@
           <p:nvPr/>
         </p:nvPicPr>
         <p:blipFill>
-          <a:blip r:embed="rId3">
-            <a:alphaModFix/>
-          </a:blip>
-          <a:stretch>
-            <a:fillRect/>
-          </a:stretch>
+          <a:blip r:embed="rId3"/>
+          <a:srcRect/>
+          <a:stretch/>
         </p:blipFill>
         <p:spPr>
           <a:xfrm>
@@ -10711,17 +10708,14 @@
           <p:nvPr/>
         </p:nvPicPr>
         <p:blipFill>
-          <a:blip r:embed="rId3">
-            <a:alphaModFix/>
-          </a:blip>
-          <a:stretch>
-            <a:fillRect/>
-          </a:stretch>
+          <a:blip r:embed="rId3"/>
+          <a:srcRect/>
+          <a:stretch/>
         </p:blipFill>
         <p:spPr>
           <a:xfrm>
-            <a:off x="1248250" y="468325"/>
-            <a:ext cx="6400800" cy="3724275"/>
+            <a:off x="1248251" y="481600"/>
+            <a:ext cx="6400798" cy="3724275"/>
           </a:xfrm>
           <a:prstGeom prst="rect">
             <a:avLst/>
@@ -12027,14 +12021,21 @@
               <a:buNone/>
             </a:pPr>
             <a:r>
-              <a:rPr lang="en"/>
+              <a:rPr lang="en" dirty="0"/>
               <a:t>	</a:t>
             </a:r>
             <a:r>
-              <a:rPr lang="en" sz="2008"/>
-              <a:t>We are concluding that by using Advanced Technologies such as Artificial Intelligence, Machine Learning, Computer Vision, Deep Learning and IOT we can implement a efficient, reliable and robust vehicle safety system which can ensure safety of driver and passengers and security of the vehicles itself.</a:t>
+              <a:rPr lang="en" sz="2008" dirty="0">
+                <a:latin typeface="Roboto" panose="02000000000000000000" pitchFamily="2" charset="0"/>
+                <a:ea typeface="Roboto" panose="02000000000000000000" pitchFamily="2" charset="0"/>
+              </a:rPr>
+              <a:t>We are concluding that by using Advanced Technologies such as Artificial Intelligence, Machine Learning, Computer Vision, Deep Learning and IOT we can implement a efficient, reliable and robust vehicle safety system which can ensure safety of driver and passengers and security of the vehicles itself</a:t>
             </a:r>
-            <a:endParaRPr sz="1508"/>
+            <a:r>
+              <a:rPr lang="en" sz="2008" dirty="0"/>
+              <a:t>.</a:t>
+            </a:r>
+            <a:endParaRPr sz="1508" dirty="0"/>
           </a:p>
         </p:txBody>
       </p:sp>
@@ -13040,6 +13041,27 @@
               </a:rPr>
               <a:t>Problem Statement</a:t>
             </a:r>
+          </a:p>
+          <a:p>
+            <a:pPr marL="457200" indent="-336550">
+              <a:lnSpc>
+                <a:spcPct val="90000"/>
+              </a:lnSpc>
+              <a:buClr>
+                <a:schemeClr val="dk2"/>
+              </a:buClr>
+              <a:buSzPts val="1700"/>
+              <a:buFont typeface="Arial"/>
+              <a:buChar char="●"/>
+            </a:pPr>
+            <a:r>
+              <a:rPr lang="en-IN" sz="1700" dirty="0">
+                <a:solidFill>
+                  <a:schemeClr val="dk2"/>
+                </a:solidFill>
+              </a:rPr>
+              <a:t>Objectives</a:t>
+            </a:r>
             <a:endParaRPr sz="1700" dirty="0">
               <a:solidFill>
                 <a:schemeClr val="dk2"/>
@@ -13070,37 +13092,6 @@
                 </a:solidFill>
               </a:rPr>
               <a:t>Literature Review</a:t>
-            </a:r>
-            <a:endParaRPr sz="1700" dirty="0">
-              <a:solidFill>
-                <a:schemeClr val="dk2"/>
-              </a:solidFill>
-            </a:endParaRPr>
-          </a:p>
-          <a:p>
-            <a:pPr marL="457200" lvl="0" indent="-336550" algn="l" rtl="0">
-              <a:lnSpc>
-                <a:spcPct val="90000"/>
-              </a:lnSpc>
-              <a:spcBef>
-                <a:spcPts val="0"/>
-              </a:spcBef>
-              <a:spcAft>
-                <a:spcPts val="0"/>
-              </a:spcAft>
-              <a:buClr>
-                <a:schemeClr val="dk2"/>
-              </a:buClr>
-              <a:buSzPts val="1700"/>
-              <a:buChar char="●"/>
-            </a:pPr>
-            <a:r>
-              <a:rPr lang="en" sz="1700" dirty="0">
-                <a:solidFill>
-                  <a:schemeClr val="dk2"/>
-                </a:solidFill>
-              </a:rPr>
-              <a:t>Objectives</a:t>
             </a:r>
             <a:endParaRPr sz="1700" dirty="0">
               <a:solidFill>
@@ -13570,7 +13561,7 @@
                 <a:cs typeface="Times New Roman" panose="02020603050405020304" pitchFamily="18" charset="0"/>
                 <a:sym typeface="Roboto"/>
               </a:rPr>
-              <a:t>The Safe System approach to road safety aims to ensure a safe transport system for all road users. Such an approach takes into account people’s vulnerability to serious injuries in road traffic crashes and recognizes that the system should be designed to be forgiving of human error.</a:t>
+              <a:t>The Safe System approach to road safety aims to ensure a safe transport system for all road users. Such an approach takes into account people’s vulnerability to serious injuries in road traffic crashes and recognizes. The system should be designed to be forgiving of human error.</a:t>
             </a:r>
             <a:endParaRPr sz="6007" dirty="0">
               <a:latin typeface="Roboto"/>
@@ -13723,7 +13714,7 @@
                 <a:cs typeface="Times New Roman" panose="02020603050405020304" pitchFamily="18" charset="0"/>
                 <a:sym typeface="Roboto"/>
               </a:rPr>
-              <a:t>Every year around 3,597 people die due to potholes. More than 30% of people die due to potholes. The Ministry of Road Transport and Highways provided figures that over 9300 deaths, 25000 injured in the last three years due to potholes and more than 25,000 people are getting injured due to potholes.</a:t>
+              <a:t>Every year around 3,597 people die due to potholes. The Ministry of Road Transport and Highways provided figures that over 9300 deaths, 25000 injured in the last three years due to potholes.</a:t>
             </a:r>
             <a:endParaRPr sz="6007" dirty="0">
               <a:latin typeface="Roboto"/>
@@ -13882,7 +13873,7 @@
   <p:cSld>
     <p:spTree>
       <p:nvGrpSpPr>
-        <p:cNvPr id="1" name=""/>
+        <p:cNvPr id="1" name="Shape 169"/>
         <p:cNvGrpSpPr/>
         <p:nvPr/>
       </p:nvGrpSpPr>
@@ -13896,14 +13887,8 @@
       </p:grpSpPr>
       <p:sp>
         <p:nvSpPr>
-          <p:cNvPr id="2" name="Title 1">
-            <a:extLst>
-              <a:ext uri="{FF2B5EF4-FFF2-40B4-BE49-F238E27FC236}">
-                <a16:creationId xmlns:a16="http://schemas.microsoft.com/office/drawing/2014/main" id="{142CF18A-B183-471C-9965-D7A6ACE0BE3A}"/>
-              </a:ext>
-            </a:extLst>
-          </p:cNvPr>
-          <p:cNvSpPr>
+          <p:cNvPr id="170" name="Google Shape;170;p19"/>
+          <p:cNvSpPr txBox="1">
             <a:spLocks noGrp="1"/>
           </p:cNvSpPr>
           <p:nvPr>
@@ -13912,32 +13897,40 @@
         </p:nvSpPr>
         <p:spPr>
           <a:xfrm>
-            <a:off x="766684" y="283469"/>
-            <a:ext cx="7505700" cy="954600"/>
+            <a:off x="771000" y="388000"/>
+            <a:ext cx="7602000" cy="684600"/>
           </a:xfrm>
+          <a:prstGeom prst="rect">
+            <a:avLst/>
+          </a:prstGeom>
         </p:spPr>
         <p:txBody>
-          <a:bodyPr/>
+          <a:bodyPr spcFirstLastPara="1" wrap="square" lIns="91425" tIns="91425" rIns="91425" bIns="91425" anchor="t" anchorCtr="0">
+            <a:normAutofit/>
+          </a:bodyPr>
           <a:lstStyle/>
           <a:p>
+            <a:pPr marL="0" lvl="0" indent="0" algn="l" rtl="0">
+              <a:spcBef>
+                <a:spcPts val="0"/>
+              </a:spcBef>
+              <a:spcAft>
+                <a:spcPts val="0"/>
+              </a:spcAft>
+              <a:buNone/>
+            </a:pPr>
             <a:r>
-              <a:rPr lang="en-US" dirty="0"/>
-              <a:t>Literature review</a:t>
+              <a:rPr lang="en" dirty="0"/>
+              <a:t>Objectives</a:t>
             </a:r>
-            <a:endParaRPr lang="en-IN" dirty="0"/>
+            <a:endParaRPr dirty="0"/>
           </a:p>
         </p:txBody>
       </p:sp>
       <p:sp>
         <p:nvSpPr>
-          <p:cNvPr id="3" name="Text Placeholder 2">
-            <a:extLst>
-              <a:ext uri="{FF2B5EF4-FFF2-40B4-BE49-F238E27FC236}">
-                <a16:creationId xmlns:a16="http://schemas.microsoft.com/office/drawing/2014/main" id="{490DED37-B8E0-48EF-93B6-59CCB976137E}"/>
-              </a:ext>
-            </a:extLst>
-          </p:cNvPr>
-          <p:cNvSpPr>
+          <p:cNvPr id="171" name="Google Shape;171;p19"/>
+          <p:cNvSpPr txBox="1">
             <a:spLocks noGrp="1"/>
           </p:cNvSpPr>
           <p:nvPr>
@@ -13946,77 +13939,337 @@
         </p:nvSpPr>
         <p:spPr>
           <a:xfrm>
-            <a:off x="819150" y="921895"/>
-            <a:ext cx="7505700" cy="3516830"/>
+            <a:off x="771000" y="986575"/>
+            <a:ext cx="7602000" cy="3452400"/>
           </a:xfrm>
+          <a:prstGeom prst="rect">
+            <a:avLst/>
+          </a:prstGeom>
         </p:spPr>
         <p:txBody>
-          <a:bodyPr>
+          <a:bodyPr spcFirstLastPara="1" wrap="square" lIns="91425" tIns="91425" rIns="91425" bIns="91425" anchor="t" anchorCtr="0">
             <a:normAutofit/>
           </a:bodyPr>
           <a:lstStyle/>
           <a:p>
+            <a:pPr marL="457200" lvl="0" indent="-327025" algn="l" rtl="0">
+              <a:spcBef>
+                <a:spcPts val="0"/>
+              </a:spcBef>
+              <a:spcAft>
+                <a:spcPts val="0"/>
+              </a:spcAft>
+              <a:buClr>
+                <a:srgbClr val="282829"/>
+              </a:buClr>
+              <a:buSzPts val="1550"/>
+              <a:buFont typeface="Roboto"/>
+              <a:buChar char="●"/>
+            </a:pPr>
             <a:r>
-              <a:rPr lang="en-US" sz="1500" i="1" dirty="0">
-                <a:latin typeface="Roboto" panose="02000000000000000000" pitchFamily="2" charset="0"/>
-                <a:ea typeface="Roboto" panose="02000000000000000000" pitchFamily="2" charset="0"/>
+              <a:rPr lang="en" sz="1500" dirty="0">
+                <a:solidFill>
+                  <a:srgbClr val="282829"/>
+                </a:solidFill>
+                <a:highlight>
+                  <a:srgbClr val="FFFFFF"/>
+                </a:highlight>
+                <a:latin typeface="Roboto"/>
+                <a:ea typeface="Roboto"/>
+                <a:cs typeface="Roboto"/>
+                <a:sym typeface="Roboto"/>
               </a:rPr>
-              <a:t>Drowsiness Detection:- </a:t>
+              <a:t>Vehicle safety has become an objective to save “people” from injuries in the event of road accidents.</a:t>
+            </a:r>
+            <a:endParaRPr sz="1500" dirty="0">
+              <a:solidFill>
+                <a:srgbClr val="282829"/>
+              </a:solidFill>
+              <a:highlight>
+                <a:srgbClr val="FFFFFF"/>
+              </a:highlight>
+              <a:latin typeface="Roboto"/>
+              <a:ea typeface="Roboto"/>
+              <a:cs typeface="Roboto"/>
+              <a:sym typeface="Roboto"/>
+            </a:endParaRPr>
+          </a:p>
+          <a:p>
+            <a:pPr marL="457200" lvl="0" indent="-327025" algn="l" rtl="0">
+              <a:spcBef>
+                <a:spcPts val="0"/>
+              </a:spcBef>
+              <a:spcAft>
+                <a:spcPts val="0"/>
+              </a:spcAft>
+              <a:buClr>
+                <a:srgbClr val="282829"/>
+              </a:buClr>
+              <a:buSzPts val="1550"/>
+              <a:buFont typeface="Roboto"/>
+              <a:buChar char="●"/>
+            </a:pPr>
+            <a:r>
+              <a:rPr lang="en" sz="1500" dirty="0">
+                <a:solidFill>
+                  <a:srgbClr val="282829"/>
+                </a:solidFill>
+                <a:highlight>
+                  <a:srgbClr val="FFFFFF"/>
+                </a:highlight>
+                <a:latin typeface="Roboto"/>
+                <a:ea typeface="Roboto"/>
+                <a:cs typeface="Roboto"/>
+                <a:sym typeface="Roboto"/>
+              </a:rPr>
+              <a:t>Nowadays, the driver safety in the car is one of the most wanted system to avoid vehicle accidents and vehicle thefts. </a:t>
+            </a:r>
+            <a:endParaRPr sz="1500" dirty="0">
+              <a:solidFill>
+                <a:srgbClr val="282829"/>
+              </a:solidFill>
+              <a:highlight>
+                <a:srgbClr val="FFFFFF"/>
+              </a:highlight>
+              <a:latin typeface="Roboto"/>
+              <a:ea typeface="Roboto"/>
+              <a:cs typeface="Roboto"/>
+              <a:sym typeface="Roboto"/>
+            </a:endParaRPr>
+          </a:p>
+          <a:p>
+            <a:pPr marL="457200" lvl="0" indent="-327025" algn="l" rtl="0">
+              <a:spcBef>
+                <a:spcPts val="0"/>
+              </a:spcBef>
+              <a:spcAft>
+                <a:spcPts val="0"/>
+              </a:spcAft>
+              <a:buClr>
+                <a:srgbClr val="282829"/>
+              </a:buClr>
+              <a:buSzPts val="1550"/>
+              <a:buFont typeface="Roboto"/>
+              <a:buChar char="●"/>
+            </a:pPr>
+            <a:r>
+              <a:rPr lang="en" sz="1500" dirty="0">
+                <a:solidFill>
+                  <a:srgbClr val="282829"/>
+                </a:solidFill>
+                <a:highlight>
+                  <a:srgbClr val="FFFFFF"/>
+                </a:highlight>
+                <a:latin typeface="Roboto"/>
+                <a:ea typeface="Roboto"/>
+                <a:cs typeface="Roboto"/>
+                <a:sym typeface="Roboto"/>
+              </a:rPr>
+              <a:t>Our objective of this project is to ensure the safety of driver and vehicles itself. </a:t>
+            </a:r>
+            <a:endParaRPr sz="1500" dirty="0">
+              <a:solidFill>
+                <a:srgbClr val="282829"/>
+              </a:solidFill>
+              <a:highlight>
+                <a:srgbClr val="FFFFFF"/>
+              </a:highlight>
+              <a:latin typeface="Roboto"/>
+              <a:ea typeface="Roboto"/>
+              <a:cs typeface="Roboto"/>
+              <a:sym typeface="Roboto"/>
+            </a:endParaRPr>
+          </a:p>
+          <a:p>
+            <a:pPr marL="457200" lvl="0" indent="-327025" algn="l" rtl="0">
+              <a:spcBef>
+                <a:spcPts val="0"/>
+              </a:spcBef>
+              <a:spcAft>
+                <a:spcPts val="0"/>
+              </a:spcAft>
+              <a:buClr>
+                <a:srgbClr val="282829"/>
+              </a:buClr>
+              <a:buSzPts val="1550"/>
+              <a:buFont typeface="Roboto"/>
+              <a:buChar char="●"/>
+            </a:pPr>
+            <a:r>
+              <a:rPr lang="en" sz="1500" dirty="0">
+                <a:solidFill>
+                  <a:srgbClr val="282829"/>
+                </a:solidFill>
+                <a:highlight>
+                  <a:srgbClr val="FFFFFF"/>
+                </a:highlight>
+                <a:latin typeface="Roboto"/>
+                <a:ea typeface="Roboto"/>
+                <a:cs typeface="Roboto"/>
+                <a:sym typeface="Roboto"/>
+              </a:rPr>
+              <a:t>We are detecting if the driver is sleeping through tracking different physiological behaviours such as blinking of eyes and yawning. </a:t>
+            </a:r>
+            <a:endParaRPr sz="1500" dirty="0">
+              <a:solidFill>
+                <a:srgbClr val="282829"/>
+              </a:solidFill>
+              <a:highlight>
+                <a:srgbClr val="FFFFFF"/>
+              </a:highlight>
+              <a:latin typeface="Roboto"/>
+              <a:ea typeface="Roboto"/>
+              <a:cs typeface="Roboto"/>
+              <a:sym typeface="Roboto"/>
+            </a:endParaRPr>
+          </a:p>
+          <a:p>
+            <a:pPr marL="457200" lvl="0" indent="-327025" algn="l" rtl="0">
+              <a:spcBef>
+                <a:spcPts val="0"/>
+              </a:spcBef>
+              <a:spcAft>
+                <a:spcPts val="0"/>
+              </a:spcAft>
+              <a:buClr>
+                <a:srgbClr val="282829"/>
+              </a:buClr>
+              <a:buSzPts val="1550"/>
+              <a:buFont typeface="Roboto"/>
+              <a:buChar char="●"/>
+            </a:pPr>
+            <a:r>
+              <a:rPr lang="en" sz="1500" dirty="0">
+                <a:solidFill>
+                  <a:srgbClr val="282829"/>
+                </a:solidFill>
+                <a:highlight>
+                  <a:srgbClr val="FFFFFF"/>
+                </a:highlight>
+                <a:latin typeface="Roboto"/>
+                <a:ea typeface="Roboto"/>
+                <a:cs typeface="Roboto"/>
+                <a:sym typeface="Roboto"/>
+              </a:rPr>
+              <a:t>We are ensuring the vehicle is in the correct path by tracking the lanes on the road.</a:t>
+            </a:r>
+            <a:endParaRPr sz="1500" dirty="0">
+              <a:solidFill>
+                <a:srgbClr val="282829"/>
+              </a:solidFill>
+              <a:highlight>
+                <a:srgbClr val="FFFFFF"/>
+              </a:highlight>
+              <a:latin typeface="Roboto"/>
+              <a:ea typeface="Roboto"/>
+              <a:cs typeface="Roboto"/>
+              <a:sym typeface="Roboto"/>
+            </a:endParaRPr>
+          </a:p>
+          <a:p>
+            <a:pPr marL="457200" lvl="0" indent="-327025" algn="l" rtl="0">
+              <a:spcBef>
+                <a:spcPts val="0"/>
+              </a:spcBef>
+              <a:spcAft>
+                <a:spcPts val="0"/>
+              </a:spcAft>
+              <a:buClr>
+                <a:srgbClr val="282829"/>
+              </a:buClr>
+              <a:buSzPts val="1550"/>
+              <a:buFont typeface="Roboto"/>
+              <a:buChar char="●"/>
+            </a:pPr>
+            <a:r>
+              <a:rPr lang="en" sz="1500" dirty="0">
+                <a:solidFill>
+                  <a:srgbClr val="282829"/>
+                </a:solidFill>
+                <a:highlight>
+                  <a:srgbClr val="FFFFFF"/>
+                </a:highlight>
+                <a:latin typeface="Roboto"/>
+                <a:ea typeface="Roboto"/>
+                <a:cs typeface="Roboto"/>
+                <a:sym typeface="Roboto"/>
+              </a:rPr>
+              <a:t>We are detecting potholes in the roads earlier to avoid potholes and crashes related to them.</a:t>
+            </a:r>
+            <a:endParaRPr sz="1500" dirty="0">
+              <a:solidFill>
+                <a:srgbClr val="282829"/>
+              </a:solidFill>
+              <a:highlight>
+                <a:srgbClr val="FFFFFF"/>
+              </a:highlight>
+              <a:latin typeface="Roboto"/>
+              <a:ea typeface="Roboto"/>
+              <a:cs typeface="Roboto"/>
+              <a:sym typeface="Roboto"/>
+            </a:endParaRPr>
+          </a:p>
+          <a:p>
+            <a:pPr marL="457200" lvl="0" indent="-327025" algn="l" rtl="0">
+              <a:spcBef>
+                <a:spcPts val="0"/>
+              </a:spcBef>
+              <a:spcAft>
+                <a:spcPts val="0"/>
+              </a:spcAft>
+              <a:buClr>
+                <a:srgbClr val="282829"/>
+              </a:buClr>
+              <a:buSzPts val="1550"/>
+              <a:buFont typeface="Roboto"/>
+              <a:buChar char="●"/>
+            </a:pPr>
+            <a:r>
+              <a:rPr lang="en" sz="1500" dirty="0">
+                <a:solidFill>
+                  <a:srgbClr val="282829"/>
+                </a:solidFill>
+                <a:highlight>
+                  <a:srgbClr val="FFFFFF"/>
+                </a:highlight>
+                <a:latin typeface="Roboto"/>
+                <a:ea typeface="Roboto"/>
+                <a:cs typeface="Roboto"/>
+                <a:sym typeface="Roboto"/>
+              </a:rPr>
+              <a:t>We are detecting faces of the intruders thus avoiding vehicle thefts</a:t>
             </a:r>
             <a:r>
-              <a:rPr lang="en-US" sz="1500" dirty="0">
-                <a:latin typeface="Roboto" panose="02000000000000000000" pitchFamily="2" charset="0"/>
-                <a:ea typeface="Roboto" panose="02000000000000000000" pitchFamily="2" charset="0"/>
+              <a:rPr lang="en" sz="1550" dirty="0">
+                <a:solidFill>
+                  <a:srgbClr val="282829"/>
+                </a:solidFill>
+                <a:highlight>
+                  <a:srgbClr val="FFFFFF"/>
+                </a:highlight>
+                <a:latin typeface="Roboto"/>
+                <a:ea typeface="Roboto"/>
+                <a:cs typeface="Roboto"/>
+                <a:sym typeface="Roboto"/>
               </a:rPr>
-              <a:t>IEEE paper of Praveen Kumar K P  and their crew from Sivasubramanya College, Chennai on “Driver assistance system using Raspberry pi &amp; Harr Cascade Classifier”, provides a technique for finding a drowsiness of a driver by using Harr Cascade Classifier in open-CV.</a:t>
+              <a:t>.</a:t>
             </a:r>
-          </a:p>
-          <a:p>
-            <a:endParaRPr lang="en-US" sz="1500" dirty="0">
-              <a:latin typeface="Roboto" panose="02000000000000000000" pitchFamily="2" charset="0"/>
-              <a:ea typeface="Roboto" panose="02000000000000000000" pitchFamily="2" charset="0"/>
+            <a:endParaRPr sz="1550" dirty="0">
+              <a:solidFill>
+                <a:srgbClr val="282829"/>
+              </a:solidFill>
+              <a:highlight>
+                <a:srgbClr val="FFFFFF"/>
+              </a:highlight>
+              <a:latin typeface="Roboto"/>
+              <a:ea typeface="Roboto"/>
+              <a:cs typeface="Roboto"/>
+              <a:sym typeface="Roboto"/>
             </a:endParaRPr>
-          </a:p>
-          <a:p>
-            <a:endParaRPr lang="en-US" sz="1500" dirty="0">
-              <a:latin typeface="Roboto" panose="02000000000000000000" pitchFamily="2" charset="0"/>
-              <a:ea typeface="Roboto" panose="02000000000000000000" pitchFamily="2" charset="0"/>
-            </a:endParaRPr>
-          </a:p>
-          <a:p>
-            <a:r>
-              <a:rPr lang="en-US" sz="1500" i="1" dirty="0">
-                <a:latin typeface="Roboto" panose="02000000000000000000" pitchFamily="2" charset="0"/>
-                <a:ea typeface="Roboto" panose="02000000000000000000" pitchFamily="2" charset="0"/>
-              </a:rPr>
-              <a:t>Pothole Detection</a:t>
-            </a:r>
-            <a:r>
-              <a:rPr lang="en-US" sz="1500" dirty="0">
-                <a:latin typeface="Roboto" panose="02000000000000000000" pitchFamily="2" charset="0"/>
-                <a:ea typeface="Roboto" panose="02000000000000000000" pitchFamily="2" charset="0"/>
-              </a:rPr>
-              <a:t>:- A research paper on “Detecting  and Counting of Potholes using Image Processing Techniques” presented by the MTech students from Puducherry ,show the various techniques used to find the pothole in images. By their research paper we came to know that 82-91% of accuracy in detection can be obtained by using Edge-Detection and Fuzzy C means Clustering algorithms.</a:t>
-            </a:r>
-          </a:p>
-          <a:p>
-            <a:endParaRPr lang="en-US" sz="1500" dirty="0"/>
-          </a:p>
-          <a:p>
-            <a:endParaRPr lang="en-US" sz="1500" dirty="0"/>
-          </a:p>
-          <a:p>
-            <a:pPr lvl="1"/>
-            <a:endParaRPr lang="en-IN" sz="1300" dirty="0"/>
           </a:p>
         </p:txBody>
       </p:sp>
     </p:spTree>
-    <p:extLst>
-      <p:ext uri="{BB962C8B-B14F-4D97-AF65-F5344CB8AC3E}">
-        <p14:creationId xmlns:p14="http://schemas.microsoft.com/office/powerpoint/2010/main" val="3815274548"/>
-      </p:ext>
-    </p:extLst>
   </p:cSld>
   <p:clrMapOvr>
     <a:masterClrMapping/>
@@ -14059,7 +14312,7 @@
         </p:nvSpPr>
         <p:spPr>
           <a:xfrm>
-            <a:off x="886606" y="227475"/>
+            <a:off x="766684" y="283469"/>
             <a:ext cx="7505700" cy="954600"/>
           </a:xfrm>
         </p:spPr>
@@ -14069,7 +14322,7 @@
           <a:p>
             <a:r>
               <a:rPr lang="en-US" dirty="0"/>
-              <a:t>Contd..</a:t>
+              <a:t>Literature review</a:t>
             </a:r>
             <a:endParaRPr lang="en-IN" dirty="0"/>
           </a:p>
@@ -14108,14 +14361,14 @@
                 <a:latin typeface="Roboto" panose="02000000000000000000" pitchFamily="2" charset="0"/>
                 <a:ea typeface="Roboto" panose="02000000000000000000" pitchFamily="2" charset="0"/>
               </a:rPr>
-              <a:t>Lane Detection: </a:t>
+              <a:t>Drowsiness Detection:- </a:t>
             </a:r>
             <a:r>
               <a:rPr lang="en-US" sz="1500" dirty="0">
                 <a:latin typeface="Roboto" panose="02000000000000000000" pitchFamily="2" charset="0"/>
                 <a:ea typeface="Roboto" panose="02000000000000000000" pitchFamily="2" charset="0"/>
               </a:rPr>
-              <a:t> A Chinese Research paper on “ Lane detection of Curving road for Structural highway with straight curve model on vision” by Wang brothers, which provides a geometric technique to find the relative movement of the vehicle with the lane of the road.</a:t>
+              <a:t>IEEE paper of Praveen Kumar K P  and their crew from Sivasubramanya College, Chennai on “Driver assistance system using Raspberry pi &amp; Harr Cascade Classifier”, provides a technique for finding drowsiness of the driver by using Harr Cascade Classifier in open-CV.</a:t>
             </a:r>
           </a:p>
           <a:p>
@@ -14136,35 +14389,32 @@
                 <a:latin typeface="Roboto" panose="02000000000000000000" pitchFamily="2" charset="0"/>
                 <a:ea typeface="Roboto" panose="02000000000000000000" pitchFamily="2" charset="0"/>
               </a:rPr>
-              <a:t>Intruder Detection:-</a:t>
+              <a:t>Pothole Detection</a:t>
             </a:r>
             <a:r>
               <a:rPr lang="en-US" sz="1500" dirty="0">
                 <a:latin typeface="Roboto" panose="02000000000000000000" pitchFamily="2" charset="0"/>
                 <a:ea typeface="Roboto" panose="02000000000000000000" pitchFamily="2" charset="0"/>
               </a:rPr>
-              <a:t> The paper published by the final year students of Vellammal Engineering College ,Chennai in the year 2015 on “Image Processing Based Intruder Detection”, which identifies the intruder by using neural network.</a:t>
+              <a:t>:- A research paper on “Detecting  and Counting of Potholes using Image Processing Techniques” presented by the MTech students from Puducherry, show the various techniques used to find the pothole in images. By their research paper we came to know that 82-91% of accuracy in detection can be obtained by using Edge-Detection and Fuzzy C means Clustering algorithms.</a:t>
             </a:r>
-            <a:endParaRPr lang="en-US" sz="1500" i="1" dirty="0">
-              <a:latin typeface="Roboto" panose="02000000000000000000" pitchFamily="2" charset="0"/>
-              <a:ea typeface="Roboto" panose="02000000000000000000" pitchFamily="2" charset="0"/>
-            </a:endParaRPr>
-          </a:p>
-          <a:p>
-            <a:pPr marL="146050" indent="0">
-              <a:buNone/>
-            </a:pPr>
-            <a:endParaRPr lang="en-US" sz="1500" dirty="0">
-              <a:latin typeface="Roboto" panose="02000000000000000000" pitchFamily="2" charset="0"/>
-              <a:ea typeface="Roboto" panose="02000000000000000000" pitchFamily="2" charset="0"/>
-            </a:endParaRPr>
+          </a:p>
+          <a:p>
+            <a:endParaRPr lang="en-US" sz="1500" dirty="0"/>
+          </a:p>
+          <a:p>
+            <a:endParaRPr lang="en-US" sz="1500" dirty="0"/>
+          </a:p>
+          <a:p>
+            <a:pPr lvl="1"/>
+            <a:endParaRPr lang="en-IN" sz="1300" dirty="0"/>
           </a:p>
         </p:txBody>
       </p:sp>
     </p:spTree>
     <p:extLst>
       <p:ext uri="{BB962C8B-B14F-4D97-AF65-F5344CB8AC3E}">
-        <p14:creationId xmlns:p14="http://schemas.microsoft.com/office/powerpoint/2010/main" val="1510684906"/>
+        <p14:creationId xmlns:p14="http://schemas.microsoft.com/office/powerpoint/2010/main" val="3815274548"/>
       </p:ext>
     </p:extLst>
   </p:cSld>
@@ -14179,7 +14429,7 @@
   <p:cSld>
     <p:spTree>
       <p:nvGrpSpPr>
-        <p:cNvPr id="1" name="Shape 169"/>
+        <p:cNvPr id="1" name=""/>
         <p:cNvGrpSpPr/>
         <p:nvPr/>
       </p:nvGrpSpPr>
@@ -14193,8 +14443,14 @@
       </p:grpSpPr>
       <p:sp>
         <p:nvSpPr>
-          <p:cNvPr id="170" name="Google Shape;170;p19"/>
-          <p:cNvSpPr txBox="1">
+          <p:cNvPr id="2" name="Title 1">
+            <a:extLst>
+              <a:ext uri="{FF2B5EF4-FFF2-40B4-BE49-F238E27FC236}">
+                <a16:creationId xmlns:a16="http://schemas.microsoft.com/office/drawing/2014/main" id="{142CF18A-B183-471C-9965-D7A6ACE0BE3A}"/>
+              </a:ext>
+            </a:extLst>
+          </p:cNvPr>
+          <p:cNvSpPr>
             <a:spLocks noGrp="1"/>
           </p:cNvSpPr>
           <p:nvPr>
@@ -14203,40 +14459,32 @@
         </p:nvSpPr>
         <p:spPr>
           <a:xfrm>
-            <a:off x="771000" y="388000"/>
-            <a:ext cx="7602000" cy="684600"/>
+            <a:off x="886606" y="227475"/>
+            <a:ext cx="7505700" cy="954600"/>
           </a:xfrm>
-          <a:prstGeom prst="rect">
-            <a:avLst/>
-          </a:prstGeom>
         </p:spPr>
         <p:txBody>
-          <a:bodyPr spcFirstLastPara="1" wrap="square" lIns="91425" tIns="91425" rIns="91425" bIns="91425" anchor="t" anchorCtr="0">
-            <a:normAutofit/>
-          </a:bodyPr>
+          <a:bodyPr/>
           <a:lstStyle/>
           <a:p>
-            <a:pPr marL="0" lvl="0" indent="0" algn="l" rtl="0">
-              <a:spcBef>
-                <a:spcPts val="0"/>
-              </a:spcBef>
-              <a:spcAft>
-                <a:spcPts val="0"/>
-              </a:spcAft>
-              <a:buNone/>
-            </a:pPr>
             <a:r>
-              <a:rPr lang="en" dirty="0"/>
-              <a:t>Objectives</a:t>
+              <a:rPr lang="en-US" dirty="0"/>
+              <a:t>Contd..</a:t>
             </a:r>
-            <a:endParaRPr dirty="0"/>
+            <a:endParaRPr lang="en-IN" dirty="0"/>
           </a:p>
         </p:txBody>
       </p:sp>
       <p:sp>
         <p:nvSpPr>
-          <p:cNvPr id="171" name="Google Shape;171;p19"/>
-          <p:cNvSpPr txBox="1">
+          <p:cNvPr id="3" name="Text Placeholder 2">
+            <a:extLst>
+              <a:ext uri="{FF2B5EF4-FFF2-40B4-BE49-F238E27FC236}">
+                <a16:creationId xmlns:a16="http://schemas.microsoft.com/office/drawing/2014/main" id="{490DED37-B8E0-48EF-93B6-59CCB976137E}"/>
+              </a:ext>
+            </a:extLst>
+          </p:cNvPr>
+          <p:cNvSpPr>
             <a:spLocks noGrp="1"/>
           </p:cNvSpPr>
           <p:nvPr>
@@ -14245,337 +14493,80 @@
         </p:nvSpPr>
         <p:spPr>
           <a:xfrm>
-            <a:off x="771000" y="986575"/>
-            <a:ext cx="7602000" cy="3452400"/>
+            <a:off x="819150" y="921895"/>
+            <a:ext cx="7505700" cy="3516830"/>
           </a:xfrm>
-          <a:prstGeom prst="rect">
-            <a:avLst/>
-          </a:prstGeom>
         </p:spPr>
         <p:txBody>
-          <a:bodyPr spcFirstLastPara="1" wrap="square" lIns="91425" tIns="91425" rIns="91425" bIns="91425" anchor="t" anchorCtr="0">
+          <a:bodyPr>
             <a:normAutofit/>
           </a:bodyPr>
           <a:lstStyle/>
           <a:p>
-            <a:pPr marL="457200" lvl="0" indent="-327025" algn="l" rtl="0">
-              <a:spcBef>
-                <a:spcPts val="0"/>
-              </a:spcBef>
-              <a:spcAft>
-                <a:spcPts val="0"/>
-              </a:spcAft>
-              <a:buClr>
-                <a:srgbClr val="282829"/>
-              </a:buClr>
-              <a:buSzPts val="1550"/>
-              <a:buFont typeface="Roboto"/>
-              <a:buChar char="●"/>
-            </a:pPr>
             <a:r>
-              <a:rPr lang="en" sz="1500" dirty="0">
-                <a:solidFill>
-                  <a:srgbClr val="282829"/>
-                </a:solidFill>
-                <a:highlight>
-                  <a:srgbClr val="FFFFFF"/>
-                </a:highlight>
-                <a:latin typeface="Roboto"/>
-                <a:ea typeface="Roboto"/>
-                <a:cs typeface="Roboto"/>
-                <a:sym typeface="Roboto"/>
+              <a:rPr lang="en-US" sz="1500" i="1" dirty="0">
+                <a:latin typeface="Roboto" panose="02000000000000000000" pitchFamily="2" charset="0"/>
+                <a:ea typeface="Roboto" panose="02000000000000000000" pitchFamily="2" charset="0"/>
               </a:rPr>
-              <a:t>Vehicle safety has become an objective to save “people” from injuries in the event of road accidents.</a:t>
-            </a:r>
-            <a:endParaRPr sz="1500" dirty="0">
-              <a:solidFill>
-                <a:srgbClr val="282829"/>
-              </a:solidFill>
-              <a:highlight>
-                <a:srgbClr val="FFFFFF"/>
-              </a:highlight>
-              <a:latin typeface="Roboto"/>
-              <a:ea typeface="Roboto"/>
-              <a:cs typeface="Roboto"/>
-              <a:sym typeface="Roboto"/>
-            </a:endParaRPr>
-          </a:p>
-          <a:p>
-            <a:pPr marL="457200" lvl="0" indent="-327025" algn="l" rtl="0">
-              <a:spcBef>
-                <a:spcPts val="0"/>
-              </a:spcBef>
-              <a:spcAft>
-                <a:spcPts val="0"/>
-              </a:spcAft>
-              <a:buClr>
-                <a:srgbClr val="282829"/>
-              </a:buClr>
-              <a:buSzPts val="1550"/>
-              <a:buFont typeface="Roboto"/>
-              <a:buChar char="●"/>
-            </a:pPr>
-            <a:r>
-              <a:rPr lang="en" sz="1500" dirty="0">
-                <a:solidFill>
-                  <a:srgbClr val="282829"/>
-                </a:solidFill>
-                <a:highlight>
-                  <a:srgbClr val="FFFFFF"/>
-                </a:highlight>
-                <a:latin typeface="Roboto"/>
-                <a:ea typeface="Roboto"/>
-                <a:cs typeface="Roboto"/>
-                <a:sym typeface="Roboto"/>
-              </a:rPr>
-              <a:t>Nowadays, the driver safety in the car is one of the most wanted system to avoid vehicle accidents and vehicle thefts. </a:t>
-            </a:r>
-            <a:endParaRPr sz="1500" dirty="0">
-              <a:solidFill>
-                <a:srgbClr val="282829"/>
-              </a:solidFill>
-              <a:highlight>
-                <a:srgbClr val="FFFFFF"/>
-              </a:highlight>
-              <a:latin typeface="Roboto"/>
-              <a:ea typeface="Roboto"/>
-              <a:cs typeface="Roboto"/>
-              <a:sym typeface="Roboto"/>
-            </a:endParaRPr>
-          </a:p>
-          <a:p>
-            <a:pPr marL="457200" lvl="0" indent="-327025" algn="l" rtl="0">
-              <a:spcBef>
-                <a:spcPts val="0"/>
-              </a:spcBef>
-              <a:spcAft>
-                <a:spcPts val="0"/>
-              </a:spcAft>
-              <a:buClr>
-                <a:srgbClr val="282829"/>
-              </a:buClr>
-              <a:buSzPts val="1550"/>
-              <a:buFont typeface="Roboto"/>
-              <a:buChar char="●"/>
-            </a:pPr>
-            <a:r>
-              <a:rPr lang="en" sz="1500" dirty="0">
-                <a:solidFill>
-                  <a:srgbClr val="282829"/>
-                </a:solidFill>
-                <a:highlight>
-                  <a:srgbClr val="FFFFFF"/>
-                </a:highlight>
-                <a:latin typeface="Roboto"/>
-                <a:ea typeface="Roboto"/>
-                <a:cs typeface="Roboto"/>
-                <a:sym typeface="Roboto"/>
-              </a:rPr>
-              <a:t>Our objective of this project is to ensure the safety of driver and vehicles itself. </a:t>
-            </a:r>
-            <a:endParaRPr sz="1500" dirty="0">
-              <a:solidFill>
-                <a:srgbClr val="282829"/>
-              </a:solidFill>
-              <a:highlight>
-                <a:srgbClr val="FFFFFF"/>
-              </a:highlight>
-              <a:latin typeface="Roboto"/>
-              <a:ea typeface="Roboto"/>
-              <a:cs typeface="Roboto"/>
-              <a:sym typeface="Roboto"/>
-            </a:endParaRPr>
-          </a:p>
-          <a:p>
-            <a:pPr marL="457200" lvl="0" indent="-327025" algn="l" rtl="0">
-              <a:spcBef>
-                <a:spcPts val="0"/>
-              </a:spcBef>
-              <a:spcAft>
-                <a:spcPts val="0"/>
-              </a:spcAft>
-              <a:buClr>
-                <a:srgbClr val="282829"/>
-              </a:buClr>
-              <a:buSzPts val="1550"/>
-              <a:buFont typeface="Roboto"/>
-              <a:buChar char="●"/>
-            </a:pPr>
-            <a:r>
-              <a:rPr lang="en" sz="1500" dirty="0">
-                <a:solidFill>
-                  <a:srgbClr val="282829"/>
-                </a:solidFill>
-                <a:highlight>
-                  <a:srgbClr val="FFFFFF"/>
-                </a:highlight>
-                <a:latin typeface="Roboto"/>
-                <a:ea typeface="Roboto"/>
-                <a:cs typeface="Roboto"/>
-                <a:sym typeface="Roboto"/>
-              </a:rPr>
-              <a:t>We are detecting if the driver is sleeping through tracking different physiological behaviours such as blinking of eyes and yawning. </a:t>
-            </a:r>
-            <a:endParaRPr sz="1500" dirty="0">
-              <a:solidFill>
-                <a:srgbClr val="282829"/>
-              </a:solidFill>
-              <a:highlight>
-                <a:srgbClr val="FFFFFF"/>
-              </a:highlight>
-              <a:latin typeface="Roboto"/>
-              <a:ea typeface="Roboto"/>
-              <a:cs typeface="Roboto"/>
-              <a:sym typeface="Roboto"/>
-            </a:endParaRPr>
-          </a:p>
-          <a:p>
-            <a:pPr marL="457200" lvl="0" indent="-327025" algn="l" rtl="0">
-              <a:spcBef>
-                <a:spcPts val="0"/>
-              </a:spcBef>
-              <a:spcAft>
-                <a:spcPts val="0"/>
-              </a:spcAft>
-              <a:buClr>
-                <a:srgbClr val="282829"/>
-              </a:buClr>
-              <a:buSzPts val="1550"/>
-              <a:buFont typeface="Roboto"/>
-              <a:buChar char="●"/>
-            </a:pPr>
-            <a:r>
-              <a:rPr lang="en" sz="1500" dirty="0">
-                <a:solidFill>
-                  <a:srgbClr val="282829"/>
-                </a:solidFill>
-                <a:highlight>
-                  <a:srgbClr val="FFFFFF"/>
-                </a:highlight>
-                <a:latin typeface="Roboto"/>
-                <a:ea typeface="Roboto"/>
-                <a:cs typeface="Roboto"/>
-                <a:sym typeface="Roboto"/>
-              </a:rPr>
-              <a:t>We are ensuring the vehicle is in the correct path by tracking the lanes on the road.</a:t>
-            </a:r>
-            <a:endParaRPr sz="1500" dirty="0">
-              <a:solidFill>
-                <a:srgbClr val="282829"/>
-              </a:solidFill>
-              <a:highlight>
-                <a:srgbClr val="FFFFFF"/>
-              </a:highlight>
-              <a:latin typeface="Roboto"/>
-              <a:ea typeface="Roboto"/>
-              <a:cs typeface="Roboto"/>
-              <a:sym typeface="Roboto"/>
-            </a:endParaRPr>
-          </a:p>
-          <a:p>
-            <a:pPr marL="457200" lvl="0" indent="-327025" algn="l" rtl="0">
-              <a:spcBef>
-                <a:spcPts val="0"/>
-              </a:spcBef>
-              <a:spcAft>
-                <a:spcPts val="0"/>
-              </a:spcAft>
-              <a:buClr>
-                <a:srgbClr val="282829"/>
-              </a:buClr>
-              <a:buSzPts val="1550"/>
-              <a:buFont typeface="Roboto"/>
-              <a:buChar char="●"/>
-            </a:pPr>
-            <a:r>
-              <a:rPr lang="en" sz="1500" dirty="0">
-                <a:solidFill>
-                  <a:srgbClr val="282829"/>
-                </a:solidFill>
-                <a:highlight>
-                  <a:srgbClr val="FFFFFF"/>
-                </a:highlight>
-                <a:latin typeface="Roboto"/>
-                <a:ea typeface="Roboto"/>
-                <a:cs typeface="Roboto"/>
-                <a:sym typeface="Roboto"/>
-              </a:rPr>
-              <a:t>We are detecting potholes in the roads earlier to avoid potholes and crashes related to them.</a:t>
-            </a:r>
-            <a:endParaRPr sz="1500" dirty="0">
-              <a:solidFill>
-                <a:srgbClr val="282829"/>
-              </a:solidFill>
-              <a:highlight>
-                <a:srgbClr val="FFFFFF"/>
-              </a:highlight>
-              <a:latin typeface="Roboto"/>
-              <a:ea typeface="Roboto"/>
-              <a:cs typeface="Roboto"/>
-              <a:sym typeface="Roboto"/>
-            </a:endParaRPr>
-          </a:p>
-          <a:p>
-            <a:pPr marL="457200" lvl="0" indent="-327025" algn="l" rtl="0">
-              <a:spcBef>
-                <a:spcPts val="0"/>
-              </a:spcBef>
-              <a:spcAft>
-                <a:spcPts val="0"/>
-              </a:spcAft>
-              <a:buClr>
-                <a:srgbClr val="282829"/>
-              </a:buClr>
-              <a:buSzPts val="1550"/>
-              <a:buFont typeface="Roboto"/>
-              <a:buChar char="●"/>
-            </a:pPr>
-            <a:r>
-              <a:rPr lang="en" sz="1500" dirty="0">
-                <a:solidFill>
-                  <a:srgbClr val="282829"/>
-                </a:solidFill>
-                <a:highlight>
-                  <a:srgbClr val="FFFFFF"/>
-                </a:highlight>
-                <a:latin typeface="Roboto"/>
-                <a:ea typeface="Roboto"/>
-                <a:cs typeface="Roboto"/>
-                <a:sym typeface="Roboto"/>
-              </a:rPr>
-              <a:t>We are detecting faces of the intruders thus avoiding vehicle thefts</a:t>
+              <a:t>Lane Detection: </a:t>
             </a:r>
             <a:r>
-              <a:rPr lang="en" sz="1550" dirty="0">
-                <a:solidFill>
-                  <a:srgbClr val="282829"/>
-                </a:solidFill>
-                <a:highlight>
-                  <a:srgbClr val="FFFFFF"/>
-                </a:highlight>
-                <a:latin typeface="Roboto"/>
-                <a:ea typeface="Roboto"/>
-                <a:cs typeface="Roboto"/>
-                <a:sym typeface="Roboto"/>
+              <a:rPr lang="en-US" sz="1500" dirty="0">
+                <a:latin typeface="Roboto" panose="02000000000000000000" pitchFamily="2" charset="0"/>
+                <a:ea typeface="Roboto" panose="02000000000000000000" pitchFamily="2" charset="0"/>
               </a:rPr>
-              <a:t>.</a:t>
+              <a:t> A Chinese Research paper on “ Lane detection of Curving road for Structural highway with straight curve model on vision” by Wang brothers, which provides a geometric technique to find the relative movement of the vehicle with the lane of the road.</a:t>
             </a:r>
-            <a:endParaRPr sz="1550" dirty="0">
-              <a:solidFill>
-                <a:srgbClr val="282829"/>
-              </a:solidFill>
-              <a:highlight>
-                <a:srgbClr val="FFFFFF"/>
-              </a:highlight>
-              <a:latin typeface="Roboto"/>
-              <a:ea typeface="Roboto"/>
-              <a:cs typeface="Roboto"/>
-              <a:sym typeface="Roboto"/>
+          </a:p>
+          <a:p>
+            <a:endParaRPr lang="en-US" sz="1500" dirty="0">
+              <a:latin typeface="Roboto" panose="02000000000000000000" pitchFamily="2" charset="0"/>
+              <a:ea typeface="Roboto" panose="02000000000000000000" pitchFamily="2" charset="0"/>
+            </a:endParaRPr>
+          </a:p>
+          <a:p>
+            <a:endParaRPr lang="en-US" sz="1500" dirty="0">
+              <a:latin typeface="Roboto" panose="02000000000000000000" pitchFamily="2" charset="0"/>
+              <a:ea typeface="Roboto" panose="02000000000000000000" pitchFamily="2" charset="0"/>
+            </a:endParaRPr>
+          </a:p>
+          <a:p>
+            <a:r>
+              <a:rPr lang="en-US" sz="1500" i="1" dirty="0">
+                <a:latin typeface="Roboto" panose="02000000000000000000" pitchFamily="2" charset="0"/>
+                <a:ea typeface="Roboto" panose="02000000000000000000" pitchFamily="2" charset="0"/>
+              </a:rPr>
+              <a:t>Intruder Detection:-</a:t>
+            </a:r>
+            <a:r>
+              <a:rPr lang="en-US" sz="1500" dirty="0">
+                <a:latin typeface="Roboto" panose="02000000000000000000" pitchFamily="2" charset="0"/>
+                <a:ea typeface="Roboto" panose="02000000000000000000" pitchFamily="2" charset="0"/>
+              </a:rPr>
+              <a:t> The paper published by the final year students of Vellammal Engineering College, Chennai in the year 2015 on “Image Processing Based Intruder Detection”, which identifies the intruder by using neural network.</a:t>
+            </a:r>
+            <a:endParaRPr lang="en-US" sz="1500" i="1" dirty="0">
+              <a:latin typeface="Roboto" panose="02000000000000000000" pitchFamily="2" charset="0"/>
+              <a:ea typeface="Roboto" panose="02000000000000000000" pitchFamily="2" charset="0"/>
+            </a:endParaRPr>
+          </a:p>
+          <a:p>
+            <a:pPr marL="146050" indent="0">
+              <a:buNone/>
+            </a:pPr>
+            <a:endParaRPr lang="en-US" sz="1500" dirty="0">
+              <a:latin typeface="Roboto" panose="02000000000000000000" pitchFamily="2" charset="0"/>
+              <a:ea typeface="Roboto" panose="02000000000000000000" pitchFamily="2" charset="0"/>
             </a:endParaRPr>
           </a:p>
         </p:txBody>
       </p:sp>
     </p:spTree>
+    <p:extLst>
+      <p:ext uri="{BB962C8B-B14F-4D97-AF65-F5344CB8AC3E}">
+        <p14:creationId xmlns:p14="http://schemas.microsoft.com/office/powerpoint/2010/main" val="1510684906"/>
+      </p:ext>
+    </p:extLst>
   </p:cSld>
   <p:clrMapOvr>
     <a:masterClrMapping/>
@@ -14642,34 +14633,6 @@
           </a:p>
         </p:txBody>
       </p:sp>
-      <p:pic>
-        <p:nvPicPr>
-          <p:cNvPr id="177" name="Google Shape;177;p20"/>
-          <p:cNvPicPr preferRelativeResize="0"/>
-          <p:nvPr/>
-        </p:nvPicPr>
-        <p:blipFill>
-          <a:blip r:embed="rId3">
-            <a:alphaModFix/>
-          </a:blip>
-          <a:stretch>
-            <a:fillRect/>
-          </a:stretch>
-        </p:blipFill>
-        <p:spPr>
-          <a:xfrm>
-            <a:off x="706800" y="1445425"/>
-            <a:ext cx="7743951" cy="1717100"/>
-          </a:xfrm>
-          <a:prstGeom prst="rect">
-            <a:avLst/>
-          </a:prstGeom>
-          <a:noFill/>
-          <a:ln>
-            <a:noFill/>
-          </a:ln>
-        </p:spPr>
-      </p:pic>
       <p:sp>
         <p:nvSpPr>
           <p:cNvPr id="178" name="Google Shape;178;p20"/>
@@ -14722,6 +14685,36 @@
           </a:p>
         </p:txBody>
       </p:sp>
+      <p:pic>
+        <p:nvPicPr>
+          <p:cNvPr id="3" name="Picture 2">
+            <a:extLst>
+              <a:ext uri="{FF2B5EF4-FFF2-40B4-BE49-F238E27FC236}">
+                <a16:creationId xmlns:a16="http://schemas.microsoft.com/office/drawing/2014/main" id="{674517B9-16EC-4573-853C-477E8991227D}"/>
+              </a:ext>
+            </a:extLst>
+          </p:cNvPr>
+          <p:cNvPicPr>
+            <a:picLocks noChangeAspect="1"/>
+          </p:cNvPicPr>
+          <p:nvPr/>
+        </p:nvPicPr>
+        <p:blipFill>
+          <a:blip r:embed="rId3"/>
+          <a:stretch>
+            <a:fillRect/>
+          </a:stretch>
+        </p:blipFill>
+        <p:spPr>
+          <a:xfrm>
+            <a:off x="1225218" y="1485928"/>
+            <a:ext cx="6693563" cy="1856879"/>
+          </a:xfrm>
+          <a:prstGeom prst="rect">
+            <a:avLst/>
+          </a:prstGeom>
+        </p:spPr>
+      </p:pic>
     </p:spTree>
   </p:cSld>
   <p:clrMapOvr>

--- a/Phase-1/Advanced Vehicle Safety System.pptx
+++ b/Phase-1/Advanced Vehicle Safety System.pptx
@@ -11873,23 +11873,15 @@
             </a:r>
             <a:r>
               <a:rPr lang="en-US" sz="1500" dirty="0"/>
-              <a:t>Driver Assistance System using Raspberry Pi and</a:t>
+              <a:t>Driver Assistance System using Raspberry </a:t>
             </a:r>
-          </a:p>
-          <a:p>
-            <a:pPr marL="457200" lvl="0" indent="-323850" algn="l" rtl="0">
-              <a:spcBef>
-                <a:spcPts val="0"/>
-              </a:spcBef>
-              <a:spcAft>
-                <a:spcPts val="0"/>
-              </a:spcAft>
-              <a:buSzPts val="1500"/>
-              <a:buChar char="●"/>
-            </a:pPr>
+            <a:r>
+              <a:rPr lang="en-US" sz="1500"/>
+              <a:t>Pi and Harr </a:t>
+            </a:r>
             <a:r>
               <a:rPr lang="en-US" sz="1500" dirty="0"/>
-              <a:t>Harr Cascade Classifiers”(IEEE Xplore Part Number: CFP21K74-ART; ISBN: 978-0-7381-1327-2)</a:t>
+              <a:t>Cascade Classifiers”(IEEE Xplore Part Number: CFP21K74-ART; ISBN: 978-0-7381-1327-2)</a:t>
             </a:r>
           </a:p>
           <a:p>
